--- a/PythonTutorial.pptx
+++ b/PythonTutorial.pptx
@@ -228,7 +228,7 @@
           <a:p>
             <a:fld id="{F9721288-BB53-F346-A1E0-9ADF12851C76}" type="datetimeFigureOut">
               <a:rPr lang="en-US" smtClean="0"/>
-              <a:t>12/12/18</a:t>
+              <a:t>12/13/18</a:t>
             </a:fld>
             <a:endParaRPr lang="en-US"/>
           </a:p>
@@ -726,7 +726,7 @@
           <a:p>
             <a:fld id="{0000C964-124C-C14A-89F5-781124015F98}" type="datetimeFigureOut">
               <a:rPr lang="en-US" smtClean="0"/>
-              <a:t>12/12/18</a:t>
+              <a:t>12/13/18</a:t>
             </a:fld>
             <a:endParaRPr lang="en-US"/>
           </a:p>
@@ -924,7 +924,7 @@
           <a:p>
             <a:fld id="{0000C964-124C-C14A-89F5-781124015F98}" type="datetimeFigureOut">
               <a:rPr lang="en-US" smtClean="0"/>
-              <a:t>12/12/18</a:t>
+              <a:t>12/13/18</a:t>
             </a:fld>
             <a:endParaRPr lang="en-US"/>
           </a:p>
@@ -1132,7 +1132,7 @@
           <a:p>
             <a:fld id="{0000C964-124C-C14A-89F5-781124015F98}" type="datetimeFigureOut">
               <a:rPr lang="en-US" smtClean="0"/>
-              <a:t>12/12/18</a:t>
+              <a:t>12/13/18</a:t>
             </a:fld>
             <a:endParaRPr lang="en-US"/>
           </a:p>
@@ -1330,7 +1330,7 @@
           <a:p>
             <a:fld id="{0000C964-124C-C14A-89F5-781124015F98}" type="datetimeFigureOut">
               <a:rPr lang="en-US" smtClean="0"/>
-              <a:t>12/12/18</a:t>
+              <a:t>12/13/18</a:t>
             </a:fld>
             <a:endParaRPr lang="en-US"/>
           </a:p>
@@ -1605,7 +1605,7 @@
           <a:p>
             <a:fld id="{0000C964-124C-C14A-89F5-781124015F98}" type="datetimeFigureOut">
               <a:rPr lang="en-US" smtClean="0"/>
-              <a:t>12/12/18</a:t>
+              <a:t>12/13/18</a:t>
             </a:fld>
             <a:endParaRPr lang="en-US"/>
           </a:p>
@@ -1870,7 +1870,7 @@
           <a:p>
             <a:fld id="{0000C964-124C-C14A-89F5-781124015F98}" type="datetimeFigureOut">
               <a:rPr lang="en-US" smtClean="0"/>
-              <a:t>12/12/18</a:t>
+              <a:t>12/13/18</a:t>
             </a:fld>
             <a:endParaRPr lang="en-US"/>
           </a:p>
@@ -2282,7 +2282,7 @@
           <a:p>
             <a:fld id="{0000C964-124C-C14A-89F5-781124015F98}" type="datetimeFigureOut">
               <a:rPr lang="en-US" smtClean="0"/>
-              <a:t>12/12/18</a:t>
+              <a:t>12/13/18</a:t>
             </a:fld>
             <a:endParaRPr lang="en-US"/>
           </a:p>
@@ -2423,7 +2423,7 @@
           <a:p>
             <a:fld id="{0000C964-124C-C14A-89F5-781124015F98}" type="datetimeFigureOut">
               <a:rPr lang="en-US" smtClean="0"/>
-              <a:t>12/12/18</a:t>
+              <a:t>12/13/18</a:t>
             </a:fld>
             <a:endParaRPr lang="en-US"/>
           </a:p>
@@ -2536,7 +2536,7 @@
           <a:p>
             <a:fld id="{0000C964-124C-C14A-89F5-781124015F98}" type="datetimeFigureOut">
               <a:rPr lang="en-US" smtClean="0"/>
-              <a:t>12/12/18</a:t>
+              <a:t>12/13/18</a:t>
             </a:fld>
             <a:endParaRPr lang="en-US"/>
           </a:p>
@@ -2847,7 +2847,7 @@
           <a:p>
             <a:fld id="{0000C964-124C-C14A-89F5-781124015F98}" type="datetimeFigureOut">
               <a:rPr lang="en-US" smtClean="0"/>
-              <a:t>12/12/18</a:t>
+              <a:t>12/13/18</a:t>
             </a:fld>
             <a:endParaRPr lang="en-US"/>
           </a:p>
@@ -3135,7 +3135,7 @@
           <a:p>
             <a:fld id="{0000C964-124C-C14A-89F5-781124015F98}" type="datetimeFigureOut">
               <a:rPr lang="en-US" smtClean="0"/>
-              <a:t>12/12/18</a:t>
+              <a:t>12/13/18</a:t>
             </a:fld>
             <a:endParaRPr lang="en-US"/>
           </a:p>
@@ -3376,7 +3376,7 @@
           <a:p>
             <a:fld id="{0000C964-124C-C14A-89F5-781124015F98}" type="datetimeFigureOut">
               <a:rPr lang="en-US" smtClean="0"/>
-              <a:t>12/12/18</a:t>
+              <a:t>12/13/18</a:t>
             </a:fld>
             <a:endParaRPr lang="en-US"/>
           </a:p>
@@ -3836,8 +3836,8 @@
           <a:p>
             <a:pPr algn="r"/>
             <a:r>
-              <a:rPr lang="en-US" dirty="0" err="1"/>
-              <a:t>Jushkhun</a:t>
+              <a:rPr lang="en-US"/>
+              <a:t>Juxihong Julaiti</a:t>
             </a:r>
             <a:endParaRPr lang="en-US" dirty="0"/>
           </a:p>
